--- a/files_for_summit_source/DOC_pptx2.pptx
+++ b/files_for_summit_source/DOC_pptx2.pptx
@@ -5,7 +5,7 @@
     <p:sldMasterId id="2147483648" r:id="rId1"/>
   </p:sldMasterIdLst>
   <p:sldIdLst>
-    <p:sldId id="256" r:id="rId2"/>
+    <p:sldId id="256" r:id="rId6"/>
   </p:sldIdLst>
   <p:sldSz cx="9144000" cy="6858000" type="screen4x3"/>
   <p:notesSz cx="6858000" cy="9144000"/>
@@ -286,10 +286,10 @@
           <a:bodyPr/>
           <a:lstStyle/>
           <a:p>
-            <a:fld id="{49CE6B8A-781F-4114-BFDA-0E325B07A06D}" type="datetimeFigureOut">
+            <a:fld id="{1D8BD707-D9CF-40AE-B4C6-C98DA3205C09}" type="datetimeFigureOut">
               <a:rPr lang="en-US" smtClean="0"/>
               <a:pPr/>
-              <a:t>7/31/2008</a:t>
+              <a:t>8/1/2011</a:t>
             </a:fld>
             <a:endParaRPr lang="en-US"/>
           </a:p>
@@ -329,7 +329,7 @@
           <a:bodyPr/>
           <a:lstStyle/>
           <a:p>
-            <a:fld id="{E7A2A55B-9A2B-4012-ABC5-72396768D9A5}" type="slidenum">
+            <a:fld id="{B6F15528-21DE-4FAA-801E-634DDDAF4B2B}" type="slidenum">
               <a:rPr lang="en-US" smtClean="0"/>
               <a:pPr/>
               <a:t>‹#›</a:t>
@@ -453,10 +453,10 @@
           <a:bodyPr/>
           <a:lstStyle/>
           <a:p>
-            <a:fld id="{49CE6B8A-781F-4114-BFDA-0E325B07A06D}" type="datetimeFigureOut">
+            <a:fld id="{1D8BD707-D9CF-40AE-B4C6-C98DA3205C09}" type="datetimeFigureOut">
               <a:rPr lang="en-US" smtClean="0"/>
               <a:pPr/>
-              <a:t>7/31/2008</a:t>
+              <a:t>8/1/2011</a:t>
             </a:fld>
             <a:endParaRPr lang="en-US"/>
           </a:p>
@@ -496,7 +496,7 @@
           <a:bodyPr/>
           <a:lstStyle/>
           <a:p>
-            <a:fld id="{E7A2A55B-9A2B-4012-ABC5-72396768D9A5}" type="slidenum">
+            <a:fld id="{B6F15528-21DE-4FAA-801E-634DDDAF4B2B}" type="slidenum">
               <a:rPr lang="en-US" smtClean="0"/>
               <a:pPr/>
               <a:t>‹#›</a:t>
@@ -630,10 +630,10 @@
           <a:bodyPr/>
           <a:lstStyle/>
           <a:p>
-            <a:fld id="{49CE6B8A-781F-4114-BFDA-0E325B07A06D}" type="datetimeFigureOut">
+            <a:fld id="{1D8BD707-D9CF-40AE-B4C6-C98DA3205C09}" type="datetimeFigureOut">
               <a:rPr lang="en-US" smtClean="0"/>
               <a:pPr/>
-              <a:t>7/31/2008</a:t>
+              <a:t>8/1/2011</a:t>
             </a:fld>
             <a:endParaRPr lang="en-US"/>
           </a:p>
@@ -673,7 +673,7 @@
           <a:bodyPr/>
           <a:lstStyle/>
           <a:p>
-            <a:fld id="{E7A2A55B-9A2B-4012-ABC5-72396768D9A5}" type="slidenum">
+            <a:fld id="{B6F15528-21DE-4FAA-801E-634DDDAF4B2B}" type="slidenum">
               <a:rPr lang="en-US" smtClean="0"/>
               <a:pPr/>
               <a:t>‹#›</a:t>
@@ -797,10 +797,10 @@
           <a:bodyPr/>
           <a:lstStyle/>
           <a:p>
-            <a:fld id="{49CE6B8A-781F-4114-BFDA-0E325B07A06D}" type="datetimeFigureOut">
+            <a:fld id="{1D8BD707-D9CF-40AE-B4C6-C98DA3205C09}" type="datetimeFigureOut">
               <a:rPr lang="en-US" smtClean="0"/>
               <a:pPr/>
-              <a:t>7/31/2008</a:t>
+              <a:t>8/1/2011</a:t>
             </a:fld>
             <a:endParaRPr lang="en-US"/>
           </a:p>
@@ -840,7 +840,7 @@
           <a:bodyPr/>
           <a:lstStyle/>
           <a:p>
-            <a:fld id="{E7A2A55B-9A2B-4012-ABC5-72396768D9A5}" type="slidenum">
+            <a:fld id="{B6F15528-21DE-4FAA-801E-634DDDAF4B2B}" type="slidenum">
               <a:rPr lang="en-US" smtClean="0"/>
               <a:pPr/>
               <a:t>‹#›</a:t>
@@ -1040,10 +1040,10 @@
           <a:bodyPr/>
           <a:lstStyle/>
           <a:p>
-            <a:fld id="{49CE6B8A-781F-4114-BFDA-0E325B07A06D}" type="datetimeFigureOut">
+            <a:fld id="{1D8BD707-D9CF-40AE-B4C6-C98DA3205C09}" type="datetimeFigureOut">
               <a:rPr lang="en-US" smtClean="0"/>
               <a:pPr/>
-              <a:t>7/31/2008</a:t>
+              <a:t>8/1/2011</a:t>
             </a:fld>
             <a:endParaRPr lang="en-US"/>
           </a:p>
@@ -1083,7 +1083,7 @@
           <a:bodyPr/>
           <a:lstStyle/>
           <a:p>
-            <a:fld id="{E7A2A55B-9A2B-4012-ABC5-72396768D9A5}" type="slidenum">
+            <a:fld id="{B6F15528-21DE-4FAA-801E-634DDDAF4B2B}" type="slidenum">
               <a:rPr lang="en-US" smtClean="0"/>
               <a:pPr/>
               <a:t>‹#›</a:t>
@@ -1325,10 +1325,10 @@
           <a:bodyPr/>
           <a:lstStyle/>
           <a:p>
-            <a:fld id="{49CE6B8A-781F-4114-BFDA-0E325B07A06D}" type="datetimeFigureOut">
+            <a:fld id="{1D8BD707-D9CF-40AE-B4C6-C98DA3205C09}" type="datetimeFigureOut">
               <a:rPr lang="en-US" smtClean="0"/>
               <a:pPr/>
-              <a:t>7/31/2008</a:t>
+              <a:t>8/1/2011</a:t>
             </a:fld>
             <a:endParaRPr lang="en-US"/>
           </a:p>
@@ -1368,7 +1368,7 @@
           <a:bodyPr/>
           <a:lstStyle/>
           <a:p>
-            <a:fld id="{E7A2A55B-9A2B-4012-ABC5-72396768D9A5}" type="slidenum">
+            <a:fld id="{B6F15528-21DE-4FAA-801E-634DDDAF4B2B}" type="slidenum">
               <a:rPr lang="en-US" smtClean="0"/>
               <a:pPr/>
               <a:t>‹#›</a:t>
@@ -1744,10 +1744,10 @@
           <a:bodyPr/>
           <a:lstStyle/>
           <a:p>
-            <a:fld id="{49CE6B8A-781F-4114-BFDA-0E325B07A06D}" type="datetimeFigureOut">
+            <a:fld id="{1D8BD707-D9CF-40AE-B4C6-C98DA3205C09}" type="datetimeFigureOut">
               <a:rPr lang="en-US" smtClean="0"/>
               <a:pPr/>
-              <a:t>7/31/2008</a:t>
+              <a:t>8/1/2011</a:t>
             </a:fld>
             <a:endParaRPr lang="en-US"/>
           </a:p>
@@ -1787,7 +1787,7 @@
           <a:bodyPr/>
           <a:lstStyle/>
           <a:p>
-            <a:fld id="{E7A2A55B-9A2B-4012-ABC5-72396768D9A5}" type="slidenum">
+            <a:fld id="{B6F15528-21DE-4FAA-801E-634DDDAF4B2B}" type="slidenum">
               <a:rPr lang="en-US" smtClean="0"/>
               <a:pPr/>
               <a:t>‹#›</a:t>
@@ -1859,10 +1859,10 @@
           <a:bodyPr/>
           <a:lstStyle/>
           <a:p>
-            <a:fld id="{49CE6B8A-781F-4114-BFDA-0E325B07A06D}" type="datetimeFigureOut">
+            <a:fld id="{1D8BD707-D9CF-40AE-B4C6-C98DA3205C09}" type="datetimeFigureOut">
               <a:rPr lang="en-US" smtClean="0"/>
               <a:pPr/>
-              <a:t>7/31/2008</a:t>
+              <a:t>8/1/2011</a:t>
             </a:fld>
             <a:endParaRPr lang="en-US"/>
           </a:p>
@@ -1902,7 +1902,7 @@
           <a:bodyPr/>
           <a:lstStyle/>
           <a:p>
-            <a:fld id="{E7A2A55B-9A2B-4012-ABC5-72396768D9A5}" type="slidenum">
+            <a:fld id="{B6F15528-21DE-4FAA-801E-634DDDAF4B2B}" type="slidenum">
               <a:rPr lang="en-US" smtClean="0"/>
               <a:pPr/>
               <a:t>‹#›</a:t>
@@ -1951,10 +1951,10 @@
           <a:bodyPr/>
           <a:lstStyle/>
           <a:p>
-            <a:fld id="{49CE6B8A-781F-4114-BFDA-0E325B07A06D}" type="datetimeFigureOut">
+            <a:fld id="{1D8BD707-D9CF-40AE-B4C6-C98DA3205C09}" type="datetimeFigureOut">
               <a:rPr lang="en-US" smtClean="0"/>
               <a:pPr/>
-              <a:t>7/31/2008</a:t>
+              <a:t>8/1/2011</a:t>
             </a:fld>
             <a:endParaRPr lang="en-US"/>
           </a:p>
@@ -1994,7 +1994,7 @@
           <a:bodyPr/>
           <a:lstStyle/>
           <a:p>
-            <a:fld id="{E7A2A55B-9A2B-4012-ABC5-72396768D9A5}" type="slidenum">
+            <a:fld id="{B6F15528-21DE-4FAA-801E-634DDDAF4B2B}" type="slidenum">
               <a:rPr lang="en-US" smtClean="0"/>
               <a:pPr/>
               <a:t>‹#›</a:t>
@@ -2225,10 +2225,10 @@
           <a:bodyPr/>
           <a:lstStyle/>
           <a:p>
-            <a:fld id="{49CE6B8A-781F-4114-BFDA-0E325B07A06D}" type="datetimeFigureOut">
+            <a:fld id="{1D8BD707-D9CF-40AE-B4C6-C98DA3205C09}" type="datetimeFigureOut">
               <a:rPr lang="en-US" smtClean="0"/>
               <a:pPr/>
-              <a:t>7/31/2008</a:t>
+              <a:t>8/1/2011</a:t>
             </a:fld>
             <a:endParaRPr lang="en-US"/>
           </a:p>
@@ -2268,7 +2268,7 @@
           <a:bodyPr/>
           <a:lstStyle/>
           <a:p>
-            <a:fld id="{E7A2A55B-9A2B-4012-ABC5-72396768D9A5}" type="slidenum">
+            <a:fld id="{B6F15528-21DE-4FAA-801E-634DDDAF4B2B}" type="slidenum">
               <a:rPr lang="en-US" smtClean="0"/>
               <a:pPr/>
               <a:t>‹#›</a:t>
@@ -2475,10 +2475,10 @@
           <a:bodyPr/>
           <a:lstStyle/>
           <a:p>
-            <a:fld id="{49CE6B8A-781F-4114-BFDA-0E325B07A06D}" type="datetimeFigureOut">
+            <a:fld id="{1D8BD707-D9CF-40AE-B4C6-C98DA3205C09}" type="datetimeFigureOut">
               <a:rPr lang="en-US" smtClean="0"/>
               <a:pPr/>
-              <a:t>7/31/2008</a:t>
+              <a:t>8/1/2011</a:t>
             </a:fld>
             <a:endParaRPr lang="en-US"/>
           </a:p>
@@ -2518,7 +2518,7 @@
           <a:bodyPr/>
           <a:lstStyle/>
           <a:p>
-            <a:fld id="{E7A2A55B-9A2B-4012-ABC5-72396768D9A5}" type="slidenum">
+            <a:fld id="{B6F15528-21DE-4FAA-801E-634DDDAF4B2B}" type="slidenum">
               <a:rPr lang="en-US" smtClean="0"/>
               <a:pPr/>
               <a:t>‹#›</a:t>
@@ -2685,10 +2685,10 @@
             </a:lvl1pPr>
           </a:lstStyle>
           <a:p>
-            <a:fld id="{49CE6B8A-781F-4114-BFDA-0E325B07A06D}" type="datetimeFigureOut">
+            <a:fld id="{1D8BD707-D9CF-40AE-B4C6-C98DA3205C09}" type="datetimeFigureOut">
               <a:rPr lang="en-US" smtClean="0"/>
               <a:pPr/>
-              <a:t>7/31/2008</a:t>
+              <a:t>8/1/2011</a:t>
             </a:fld>
             <a:endParaRPr lang="en-US"/>
           </a:p>
@@ -2764,7 +2764,7 @@
             </a:lvl1pPr>
           </a:lstStyle>
           <a:p>
-            <a:fld id="{E7A2A55B-9A2B-4012-ABC5-72396768D9A5}" type="slidenum">
+            <a:fld id="{B6F15528-21DE-4FAA-801E-634DDDAF4B2B}" type="slidenum">
               <a:rPr lang="en-US" smtClean="0"/>
               <a:pPr/>
               <a:t>‹#›</a:t>
@@ -3043,7 +3043,7 @@
 </file>
 
 <file path=ppt/slides/slide1.xml><?xml version="1.0" encoding="utf-8"?>
-<p:sld xmlns:a="http://schemas.openxmlformats.org/drawingml/2006/main" xmlns:r="http://schemas.openxmlformats.org/officeDocument/2006/relationships" xmlns:p="http://schemas.openxmlformats.org/presentationml/2006/main">
+<p:sld xmlns:p="http://schemas.openxmlformats.org/presentationml/2006/main" xmlns:a="http://schemas.openxmlformats.org/drawingml/2006/main">
   <p:cSld>
     <p:spTree>
       <p:nvGrpSpPr>
@@ -3059,7 +3059,7 @@
           <a:chExt cx="0" cy="0"/>
         </a:xfrm>
       </p:grpSpPr>
-      <p:sp>
+      <p:sp xmlns:r="http://schemas.openxmlformats.org/officeDocument/2006/relationships">
         <p:nvSpPr>
           <p:cNvPr id="2" name="Title 1"/>
           <p:cNvSpPr>
@@ -3069,20 +3069,25 @@
             <p:ph type="ctrTitle"/>
           </p:nvPr>
         </p:nvSpPr>
-        <p:spPr/>
-        <p:txBody>
-          <a:bodyPr/>
-          <a:lstStyle/>
-          <a:p>
-            <a:r>
-              <a:rPr lang="en-US" smtClean="0"/>
-              <a:t>Save direct</a:t>
-            </a:r>
-            <a:endParaRPr lang="en-US"/>
-          </a:p>
-        </p:txBody>
-      </p:sp>
-      <p:sp>
+        <p:spPr>
+          <a:xfrm>
+            <a:off x="685800" y="2130425"/>
+            <a:ext cx="7772400" cy="1470025"/>
+          </a:xfrm>
+        </p:spPr>
+        <p:txBody>
+          <a:bodyPr/>
+          <a:lstStyle/>
+          <a:p>
+            <a:r>
+              <a:rPr lang="en-US" smtClean="0"/>
+              <a:t>Click to edit Master title style</a:t>
+            </a:r>
+            <a:endParaRPr lang="en-US"/>
+          </a:p>
+        </p:txBody>
+      </p:sp>
+      <p:sp xmlns:r="http://schemas.openxmlformats.org/officeDocument/2006/relationships">
         <p:nvSpPr>
           <p:cNvPr id="3" name="Subtitle 2"/>
           <p:cNvSpPr>
@@ -3092,18 +3097,110 @@
             <p:ph type="subTitle" idx="1"/>
           </p:nvPr>
         </p:nvSpPr>
-        <p:spPr/>
-        <p:txBody>
-          <a:bodyPr/>
-          <a:lstStyle/>
-          <a:p>
-            <a:r>
-              <a:rPr lang="en-US" dirty="0" err="1" smtClean="0"/>
-              <a:t>Pptx</a:t>
-            </a:r>
-            <a:r>
-              <a:rPr lang="en-US" smtClean="0"/>
-              <a:t> sucks</a:t>
+        <p:spPr>
+          <a:xfrm>
+            <a:off x="1371600" y="3886200"/>
+            <a:ext cx="6400800" cy="1752600"/>
+          </a:xfrm>
+        </p:spPr>
+        <p:txBody>
+          <a:bodyPr/>
+          <a:lstStyle>
+            <a:lvl1pPr marL="0" indent="0" algn="ctr">
+              <a:buNone/>
+              <a:defRPr>
+                <a:solidFill>
+                  <a:schemeClr val="tx1">
+                    <a:tint val="75000"/>
+                  </a:schemeClr>
+                </a:solidFill>
+              </a:defRPr>
+            </a:lvl1pPr>
+            <a:lvl2pPr marL="457200" indent="0" algn="ctr">
+              <a:buNone/>
+              <a:defRPr>
+                <a:solidFill>
+                  <a:schemeClr val="tx1">
+                    <a:tint val="75000"/>
+                  </a:schemeClr>
+                </a:solidFill>
+              </a:defRPr>
+            </a:lvl2pPr>
+            <a:lvl3pPr marL="914400" indent="0" algn="ctr">
+              <a:buNone/>
+              <a:defRPr>
+                <a:solidFill>
+                  <a:schemeClr val="tx1">
+                    <a:tint val="75000"/>
+                  </a:schemeClr>
+                </a:solidFill>
+              </a:defRPr>
+            </a:lvl3pPr>
+            <a:lvl4pPr marL="1371600" indent="0" algn="ctr">
+              <a:buNone/>
+              <a:defRPr>
+                <a:solidFill>
+                  <a:schemeClr val="tx1">
+                    <a:tint val="75000"/>
+                  </a:schemeClr>
+                </a:solidFill>
+              </a:defRPr>
+            </a:lvl4pPr>
+            <a:lvl5pPr marL="1828800" indent="0" algn="ctr">
+              <a:buNone/>
+              <a:defRPr>
+                <a:solidFill>
+                  <a:schemeClr val="tx1">
+                    <a:tint val="75000"/>
+                  </a:schemeClr>
+                </a:solidFill>
+              </a:defRPr>
+            </a:lvl5pPr>
+            <a:lvl6pPr marL="2286000" indent="0" algn="ctr">
+              <a:buNone/>
+              <a:defRPr>
+                <a:solidFill>
+                  <a:schemeClr val="tx1">
+                    <a:tint val="75000"/>
+                  </a:schemeClr>
+                </a:solidFill>
+              </a:defRPr>
+            </a:lvl6pPr>
+            <a:lvl7pPr marL="2743200" indent="0" algn="ctr">
+              <a:buNone/>
+              <a:defRPr>
+                <a:solidFill>
+                  <a:schemeClr val="tx1">
+                    <a:tint val="75000"/>
+                  </a:schemeClr>
+                </a:solidFill>
+              </a:defRPr>
+            </a:lvl7pPr>
+            <a:lvl8pPr marL="3200400" indent="0" algn="ctr">
+              <a:buNone/>
+              <a:defRPr>
+                <a:solidFill>
+                  <a:schemeClr val="tx1">
+                    <a:tint val="75000"/>
+                  </a:schemeClr>
+                </a:solidFill>
+              </a:defRPr>
+            </a:lvl8pPr>
+            <a:lvl9pPr marL="3657600" indent="0" algn="ctr">
+              <a:buNone/>
+              <a:defRPr>
+                <a:solidFill>
+                  <a:schemeClr val="tx1">
+                    <a:tint val="75000"/>
+                  </a:schemeClr>
+                </a:solidFill>
+              </a:defRPr>
+            </a:lvl9pPr>
+          </a:lstStyle>
+          <a:p>
+            <a:r>
+              <a:rPr lang="en-US" smtClean="0"/>
+              <a:t>Click to edit Master subtitle style</a:t>
             </a:r>
             <a:endParaRPr lang="en-US"/>
           </a:p>
